--- a/Workshop/Content/4. Machine Learning/Azure Machine Learning.pptx
+++ b/Workshop/Content/4. Machine Learning/Azure Machine Learning.pptx
@@ -210,7 +210,7 @@
           <a:p>
             <a:fld id="{49B60EF2-7028-489F-85D8-FE86CD7CF2A0}" type="datetimeFigureOut">
               <a:rPr lang="en-US" smtClean="0"/>
-              <a:t>5/23/2016</a:t>
+              <a:t>6/21/2016</a:t>
             </a:fld>
             <a:endParaRPr lang="en-US"/>
           </a:p>
@@ -1777,7 +1777,7 @@
           <a:p>
             <a:fld id="{0459C166-16D3-4A25-A2F8-C51E0E346B22}" type="datetimeFigureOut">
               <a:rPr lang="en-US" smtClean="0"/>
-              <a:t>5/23/2016</a:t>
+              <a:t>6/21/2016</a:t>
             </a:fld>
             <a:endParaRPr lang="en-US"/>
           </a:p>
@@ -1872,7 +1872,7 @@
           <a:p>
             <a:fld id="{0459C166-16D3-4A25-A2F8-C51E0E346B22}" type="datetimeFigureOut">
               <a:rPr lang="en-US" smtClean="0"/>
-              <a:t>5/23/2016</a:t>
+              <a:t>6/21/2016</a:t>
             </a:fld>
             <a:endParaRPr lang="en-US"/>
           </a:p>
@@ -2147,7 +2147,7 @@
           <a:p>
             <a:fld id="{0459C166-16D3-4A25-A2F8-C51E0E346B22}" type="datetimeFigureOut">
               <a:rPr lang="en-US" smtClean="0"/>
-              <a:t>5/23/2016</a:t>
+              <a:t>6/21/2016</a:t>
             </a:fld>
             <a:endParaRPr lang="en-US"/>
           </a:p>
@@ -2399,7 +2399,7 @@
           <a:p>
             <a:fld id="{0459C166-16D3-4A25-A2F8-C51E0E346B22}" type="datetimeFigureOut">
               <a:rPr lang="en-US" smtClean="0"/>
-              <a:t>5/23/2016</a:t>
+              <a:t>6/21/2016</a:t>
             </a:fld>
             <a:endParaRPr lang="en-US"/>
           </a:p>
@@ -2567,7 +2567,7 @@
           <a:p>
             <a:fld id="{0459C166-16D3-4A25-A2F8-C51E0E346B22}" type="datetimeFigureOut">
               <a:rPr lang="en-US" smtClean="0"/>
-              <a:t>5/23/2016</a:t>
+              <a:t>6/21/2016</a:t>
             </a:fld>
             <a:endParaRPr lang="en-US"/>
           </a:p>
@@ -2745,7 +2745,7 @@
           <a:p>
             <a:fld id="{0459C166-16D3-4A25-A2F8-C51E0E346B22}" type="datetimeFigureOut">
               <a:rPr lang="en-US" smtClean="0"/>
-              <a:t>5/23/2016</a:t>
+              <a:t>6/21/2016</a:t>
             </a:fld>
             <a:endParaRPr lang="en-US"/>
           </a:p>
@@ -4672,7 +4672,7 @@
           <a:p>
             <a:fld id="{0459C166-16D3-4A25-A2F8-C51E0E346B22}" type="datetimeFigureOut">
               <a:rPr lang="en-US" smtClean="0"/>
-              <a:t>5/23/2016</a:t>
+              <a:t>6/21/2016</a:t>
             </a:fld>
             <a:endParaRPr lang="en-US"/>
           </a:p>
@@ -10299,7 +10299,7 @@
             <a:fld id="{0459C166-16D3-4A25-A2F8-C51E0E346B22}" type="datetimeFigureOut">
               <a:rPr lang="en-US" smtClean="0"/>
               <a:pPr/>
-              <a:t>5/23/2016</a:t>
+              <a:t>6/21/2016</a:t>
             </a:fld>
             <a:endParaRPr lang="en-US"/>
           </a:p>
@@ -14361,7 +14361,7 @@
           <a:p>
             <a:fld id="{0459C166-16D3-4A25-A2F8-C51E0E346B22}" type="datetimeFigureOut">
               <a:rPr lang="en-US" smtClean="0"/>
-              <a:t>5/23/2016</a:t>
+              <a:t>6/21/2016</a:t>
             </a:fld>
             <a:endParaRPr lang="en-US"/>
           </a:p>
@@ -14725,7 +14725,7 @@
           <a:p>
             <a:fld id="{0459C166-16D3-4A25-A2F8-C51E0E346B22}" type="datetimeFigureOut">
               <a:rPr lang="en-US" smtClean="0"/>
-              <a:t>5/23/2016</a:t>
+              <a:t>6/21/2016</a:t>
             </a:fld>
             <a:endParaRPr lang="en-US"/>
           </a:p>
@@ -14842,7 +14842,7 @@
           <a:p>
             <a:fld id="{0459C166-16D3-4A25-A2F8-C51E0E346B22}" type="datetimeFigureOut">
               <a:rPr lang="en-US" smtClean="0"/>
-              <a:t>5/23/2016</a:t>
+              <a:t>6/21/2016</a:t>
             </a:fld>
             <a:endParaRPr lang="en-US"/>
           </a:p>
@@ -15053,7 +15053,7 @@
           <a:p>
             <a:fld id="{0459C166-16D3-4A25-A2F8-C51E0E346B22}" type="datetimeFigureOut">
               <a:rPr lang="en-US" smtClean="0"/>
-              <a:t>5/23/2016</a:t>
+              <a:t>6/21/2016</a:t>
             </a:fld>
             <a:endParaRPr lang="en-US"/>
           </a:p>

--- a/Workshop/Content/4. Machine Learning/Azure Machine Learning.pptx
+++ b/Workshop/Content/4. Machine Learning/Azure Machine Learning.pptx
@@ -721,7 +721,54 @@
             </a:r>
             <a:r>
               <a:rPr lang="en-US" baseline="0" dirty="0" smtClean="0"/>
-              <a:t> Azure Machine Learning, while Amazon offers Amazon Machine Learning and Google offers the Google Prediction API. Software products such as MATLAB support traditional, non-cloud-based ML modeling.</a:t>
+              <a:t> Azure Machine Learning, while Amazon offers Amazon Machine Learning and Google offers the Google Prediction API. Software products such as MATLAB support traditional, non-cloud-based ML </a:t>
+            </a:r>
+            <a:r>
+              <a:rPr lang="en-US" baseline="0" dirty="0" smtClean="0"/>
+              <a:t>modeling.</a:t>
+            </a:r>
+          </a:p>
+          <a:p>
+            <a:pPr marL="0" marR="0" indent="0" algn="l" defTabSz="914400" rtl="0" eaLnBrk="1" fontAlgn="auto" latinLnBrk="0" hangingPunct="1">
+              <a:lnSpc>
+                <a:spcPct val="100000"/>
+              </a:lnSpc>
+              <a:spcBef>
+                <a:spcPts val="0"/>
+              </a:spcBef>
+              <a:spcAft>
+                <a:spcPts val="0"/>
+              </a:spcAft>
+              <a:buClrTx/>
+              <a:buSzTx/>
+              <a:buFontTx/>
+              <a:buNone/>
+              <a:tabLst/>
+              <a:defRPr/>
+            </a:pPr>
+            <a:endParaRPr lang="en-US" baseline="0" dirty="0" smtClean="0"/>
+          </a:p>
+          <a:p>
+            <a:pPr marL="0" marR="0" indent="0" algn="l" defTabSz="914400" rtl="0" eaLnBrk="1" fontAlgn="auto" latinLnBrk="0" hangingPunct="1">
+              <a:lnSpc>
+                <a:spcPct val="100000"/>
+              </a:lnSpc>
+              <a:spcBef>
+                <a:spcPts val="0"/>
+              </a:spcBef>
+              <a:spcAft>
+                <a:spcPts val="0"/>
+              </a:spcAft>
+              <a:buClrTx/>
+              <a:buSzTx/>
+              <a:buFontTx/>
+              <a:buNone/>
+              <a:tabLst/>
+              <a:defRPr/>
+            </a:pPr>
+            <a:r>
+              <a:rPr lang="en-US" baseline="0" dirty="0" smtClean="0"/>
+              <a:t>Machine learning models fall into two broad categories: supervised and unsupervised. In supervised learning, the model is "trained" with a large volume of data and algorithms are then used to predict an outcome from future inputs. Most supervised learning models use regression algorithms to compute an outcome from a continuous set of possible outcomes (for example, your score on a test), or classification algorithms to compute the probability of an outcome from a finite set of possible outcomes (for example, the probability that an e-mail is spam or a credit-card transaction is fraudulent). In unsupervised learning, the computer isn't trained, but is presented with a set of data and challenged to find relationships in it. K-Means Clustering is a common unsupervised learning algorithm. For a great explanation of how it works, see https://blog.intercom.io/machine-learning-way-easier-than-it-looks/.</a:t>
             </a:r>
             <a:endParaRPr lang="en-US" dirty="0" smtClean="0"/>
           </a:p>
@@ -17036,42 +17083,32 @@
           </a:p>
           <a:p>
             <a:r>
-              <a:rPr lang="en-US" dirty="0"/>
-              <a:t>Meaning of data is </a:t>
-            </a:r>
-            <a:r>
               <a:rPr lang="en-US" dirty="0" smtClean="0"/>
-              <a:t>unimportant</a:t>
-            </a:r>
+              <a:t>Supervised learning</a:t>
+            </a:r>
+            <a:endParaRPr lang="en-US" dirty="0" smtClean="0"/>
           </a:p>
           <a:p>
             <a:pPr lvl="1"/>
             <a:r>
-              <a:rPr lang="en-US" dirty="0"/>
-              <a:t>C</a:t>
-            </a:r>
-            <a:r>
               <a:rPr lang="en-US" dirty="0" smtClean="0"/>
-              <a:t>omputer </a:t>
-            </a:r>
-            <a:r>
-              <a:rPr lang="en-US" dirty="0"/>
-              <a:t>simply finds patterns in </a:t>
-            </a:r>
+              <a:t>Regression and classification</a:t>
+            </a:r>
+            <a:endParaRPr lang="en-US" dirty="0" smtClean="0"/>
+          </a:p>
+          <a:p>
             <a:r>
               <a:rPr lang="en-US" dirty="0" smtClean="0"/>
-              <a:t>it</a:t>
-            </a:r>
-          </a:p>
-          <a:p>
+              <a:t>Unsupervised learning</a:t>
+            </a:r>
+          </a:p>
+          <a:p>
+            <a:pPr lvl="1"/>
             <a:r>
               <a:rPr lang="en-US" dirty="0" smtClean="0"/>
-              <a:t>Use </a:t>
-            </a:r>
-            <a:r>
-              <a:rPr lang="en-US" dirty="0"/>
-              <a:t>it to build smart apps</a:t>
-            </a:r>
+              <a:t>Clustering</a:t>
+            </a:r>
+            <a:endParaRPr lang="en-US" dirty="0"/>
           </a:p>
           <a:p>
             <a:endParaRPr lang="en-US" dirty="0"/>

--- a/Workshop/Content/4. Machine Learning/Azure Machine Learning.pptx
+++ b/Workshop/Content/4. Machine Learning/Azure Machine Learning.pptx
@@ -6,7 +6,7 @@
     <p:sldMasterId id="2147483663" r:id="rId2"/>
   </p:sldMasterIdLst>
   <p:notesMasterIdLst>
-    <p:notesMasterId r:id="rId16"/>
+    <p:notesMasterId r:id="rId17"/>
   </p:notesMasterIdLst>
   <p:sldIdLst>
     <p:sldId id="256" r:id="rId3"/>
@@ -17,11 +17,12 @@
     <p:sldId id="296" r:id="rId8"/>
     <p:sldId id="292" r:id="rId9"/>
     <p:sldId id="294" r:id="rId10"/>
-    <p:sldId id="293" r:id="rId11"/>
-    <p:sldId id="301" r:id="rId12"/>
-    <p:sldId id="300" r:id="rId13"/>
-    <p:sldId id="295" r:id="rId14"/>
-    <p:sldId id="299" r:id="rId15"/>
+    <p:sldId id="302" r:id="rId11"/>
+    <p:sldId id="293" r:id="rId12"/>
+    <p:sldId id="301" r:id="rId13"/>
+    <p:sldId id="300" r:id="rId14"/>
+    <p:sldId id="295" r:id="rId15"/>
+    <p:sldId id="299" r:id="rId16"/>
   </p:sldIdLst>
   <p:sldSz cx="12192000" cy="6858000"/>
   <p:notesSz cx="6858000" cy="9144000"/>
@@ -605,7 +606,40 @@
           <a:bodyPr/>
           <a:lstStyle/>
           <a:p>
-            <a:endParaRPr lang="en-US" dirty="0"/>
+            <a:pPr marL="0" marR="0" indent="0" algn="l" defTabSz="914400" rtl="0" eaLnBrk="1" fontAlgn="auto" latinLnBrk="0" hangingPunct="1">
+              <a:lnSpc>
+                <a:spcPct val="100000"/>
+              </a:lnSpc>
+              <a:spcBef>
+                <a:spcPts val="0"/>
+              </a:spcBef>
+              <a:spcAft>
+                <a:spcPts val="0"/>
+              </a:spcAft>
+              <a:buClrTx/>
+              <a:buSzTx/>
+              <a:buFontTx/>
+              <a:buNone/>
+              <a:tabLst/>
+              <a:defRPr/>
+            </a:pPr>
+            <a:r>
+              <a:rPr lang="en-US" dirty="0" smtClean="0"/>
+              <a:t>The Azure ML Cheat Sheet helps</a:t>
+            </a:r>
+            <a:r>
+              <a:rPr lang="en-US" baseline="0" dirty="0" smtClean="0"/>
+              <a:t> you pick the right algorithm for a model, even if you're not a trained data scientist. </a:t>
+            </a:r>
+            <a:r>
+              <a:rPr lang="en-US" dirty="0" smtClean="0"/>
+              <a:t>One example is if you want to use a set of input values to predict</a:t>
+            </a:r>
+            <a:r>
+              <a:rPr lang="en-US" baseline="0" dirty="0" smtClean="0"/>
+              <a:t> an output value from a continuous set of values (e.g., a person's age), use linear regression. But if you're more interested in the distribution of the output, you might use fast forest quantile regression instead. An example of when you would use the latter is using growth charts to assess child development. "Abby's height is in the 10% quantile of the heights of kids her age." Classification algorithms, by contrast, are used to predict a value from a discrete set of values -- for example, classifying an e-mail as spam or not spam.</a:t>
+            </a:r>
+            <a:endParaRPr lang="en-US" dirty="0" smtClean="0"/>
           </a:p>
         </p:txBody>
       </p:sp>
@@ -624,6 +658,90 @@
           <a:bodyPr/>
           <a:lstStyle/>
           <a:p>
+            <a:fld id="{01283FAC-A721-45A3-BBDE-EAF2B09B7CD9}" type="slidenum">
+              <a:rPr lang="en-US" smtClean="0"/>
+              <a:t>10</a:t>
+            </a:fld>
+            <a:endParaRPr lang="en-US"/>
+          </a:p>
+        </p:txBody>
+      </p:sp>
+    </p:spTree>
+    <p:extLst>
+      <p:ext uri="{BB962C8B-B14F-4D97-AF65-F5344CB8AC3E}">
+        <p14:creationId xmlns:p14="http://schemas.microsoft.com/office/powerpoint/2010/main" val="67531957"/>
+      </p:ext>
+    </p:extLst>
+  </p:cSld>
+  <p:clrMapOvr>
+    <a:masterClrMapping/>
+  </p:clrMapOvr>
+</p:notes>
+</file>
+
+<file path=ppt/notesSlides/notesSlide11.xml><?xml version="1.0" encoding="utf-8"?>
+<p:notes xmlns:a="http://schemas.openxmlformats.org/drawingml/2006/main" xmlns:r="http://schemas.openxmlformats.org/officeDocument/2006/relationships" xmlns:p="http://schemas.openxmlformats.org/presentationml/2006/main">
+  <p:cSld>
+    <p:spTree>
+      <p:nvGrpSpPr>
+        <p:cNvPr id="1" name=""/>
+        <p:cNvGrpSpPr/>
+        <p:nvPr/>
+      </p:nvGrpSpPr>
+      <p:grpSpPr>
+        <a:xfrm>
+          <a:off x="0" y="0"/>
+          <a:ext cx="0" cy="0"/>
+          <a:chOff x="0" y="0"/>
+          <a:chExt cx="0" cy="0"/>
+        </a:xfrm>
+      </p:grpSpPr>
+      <p:sp>
+        <p:nvSpPr>
+          <p:cNvPr id="2" name="Slide Image Placeholder 1"/>
+          <p:cNvSpPr>
+            <a:spLocks noGrp="1" noRot="1" noChangeAspect="1"/>
+          </p:cNvSpPr>
+          <p:nvPr>
+            <p:ph type="sldImg"/>
+          </p:nvPr>
+        </p:nvSpPr>
+        <p:spPr/>
+      </p:sp>
+      <p:sp>
+        <p:nvSpPr>
+          <p:cNvPr id="3" name="Notes Placeholder 2"/>
+          <p:cNvSpPr>
+            <a:spLocks noGrp="1"/>
+          </p:cNvSpPr>
+          <p:nvPr>
+            <p:ph type="body" idx="1"/>
+          </p:nvPr>
+        </p:nvSpPr>
+        <p:spPr/>
+        <p:txBody>
+          <a:bodyPr/>
+          <a:lstStyle/>
+          <a:p>
+            <a:endParaRPr lang="en-US" dirty="0"/>
+          </a:p>
+        </p:txBody>
+      </p:sp>
+      <p:sp>
+        <p:nvSpPr>
+          <p:cNvPr id="4" name="Slide Number Placeholder 3"/>
+          <p:cNvSpPr>
+            <a:spLocks noGrp="1"/>
+          </p:cNvSpPr>
+          <p:nvPr>
+            <p:ph type="sldNum" sz="quarter" idx="10"/>
+          </p:nvPr>
+        </p:nvSpPr>
+        <p:spPr/>
+        <p:txBody>
+          <a:bodyPr/>
+          <a:lstStyle/>
+          <a:p>
             <a:fld id="{BC60BE34-BC89-4C98-A56B-79B7A098D024}" type="slidenum">
               <a:rPr lang="en-US" smtClean="0">
                 <a:solidFill>
@@ -631,7 +749,7 @@
                 </a:solidFill>
               </a:rPr>
               <a:pPr/>
-              <a:t>11</a:t>
+              <a:t>12</a:t>
             </a:fld>
             <a:endParaRPr lang="en-US">
               <a:solidFill>
@@ -721,11 +839,7 @@
             </a:r>
             <a:r>
               <a:rPr lang="en-US" baseline="0" dirty="0" smtClean="0"/>
-              <a:t> Azure Machine Learning, while Amazon offers Amazon Machine Learning and Google offers the Google Prediction API. Software products such as MATLAB support traditional, non-cloud-based ML </a:t>
-            </a:r>
-            <a:r>
-              <a:rPr lang="en-US" baseline="0" dirty="0" smtClean="0"/>
-              <a:t>modeling.</a:t>
+              <a:t> Azure Machine Learning, while Amazon offers Amazon Machine Learning and Google offers the Google Prediction API. Software products such as MATLAB support traditional, non-cloud-based ML modeling.</a:t>
             </a:r>
           </a:p>
           <a:p>
@@ -1604,40 +1718,29 @@
           <a:bodyPr/>
           <a:lstStyle/>
           <a:p>
-            <a:pPr marL="0" marR="0" indent="0" algn="l" defTabSz="914400" rtl="0" eaLnBrk="1" fontAlgn="auto" latinLnBrk="0" hangingPunct="1">
-              <a:lnSpc>
-                <a:spcPct val="100000"/>
-              </a:lnSpc>
-              <a:spcBef>
-                <a:spcPts val="0"/>
-              </a:spcBef>
-              <a:spcAft>
-                <a:spcPts val="0"/>
-              </a:spcAft>
-              <a:buClrTx/>
-              <a:buSzTx/>
-              <a:buFontTx/>
-              <a:buNone/>
-              <a:tabLst/>
-              <a:defRPr/>
-            </a:pPr>
             <a:r>
               <a:rPr lang="en-US" dirty="0" smtClean="0"/>
-              <a:t>The Azure ML Cheat Sheet helps</a:t>
+              <a:t>Linear regression has been around for hundreds of years and is widely used in statistical modeling. The simplest form of linear regression (univariate) has one input variable and one output variable. Various</a:t>
             </a:r>
             <a:r>
               <a:rPr lang="en-US" baseline="0" dirty="0" smtClean="0"/>
-              <a:t> you pick the right algorithm for a model, even if you're not a trained data scientist. </a:t>
-            </a:r>
-            <a:r>
-              <a:rPr lang="en-US" dirty="0" smtClean="0"/>
-              <a:t>One example is if you want to use a set of input values to predict</a:t>
-            </a:r>
-            <a:r>
+              <a:t> techniques are used to best-fit a line (hence, LINEAR regression) to the data. Training a linear regression model with millions of values can take time, but once the model is trained, using it to perform predictive analysis is fast because "running" the model involves little more than solving an equation whose coefficients have already been computed (during training).</a:t>
+            </a:r>
+            <a:br>
               <a:rPr lang="en-US" baseline="0" dirty="0" smtClean="0"/>
-              <a:t> an output value from a continuous set of values (e.g., a person's age), use linear regression. But if you're more interested in the distribution of the output, you might use fast forest quantile regression instead. An example of when you would use the latter is using growth charts to assess child development. "Abby's height is in the 10% quantile of the heights of kids her age." Classification algorithms, by contrast, are used to predict a value from a discrete set of values -- for example, classifying an e-mail as spam or not spam.</a:t>
-            </a:r>
-            <a:endParaRPr lang="en-US" dirty="0" smtClean="0"/>
+            </a:br>
+            <a:r>
+              <a:rPr lang="en-US" baseline="0" dirty="0" smtClean="0"/>
+              <a:t/>
+            </a:r>
+            <a:br>
+              <a:rPr lang="en-US" baseline="0" dirty="0" smtClean="0"/>
+            </a:br>
+            <a:r>
+              <a:rPr lang="en-US" baseline="0" dirty="0" smtClean="0"/>
+              <a:t>This illustration can be used to explain why picking the right algorithm is key to building an effective model. If there is not a relatively linear relationship between input variable(s) and output variable(s), then linear regression won't produce a robust predictive model.</a:t>
+            </a:r>
+            <a:endParaRPr lang="en-US" dirty="0"/>
           </a:p>
         </p:txBody>
       </p:sp>
@@ -1667,7 +1770,7 @@
     </p:spTree>
     <p:extLst>
       <p:ext uri="{BB962C8B-B14F-4D97-AF65-F5344CB8AC3E}">
-        <p14:creationId xmlns:p14="http://schemas.microsoft.com/office/powerpoint/2010/main" val="67531957"/>
+        <p14:creationId xmlns:p14="http://schemas.microsoft.com/office/powerpoint/2010/main" val="3306435751"/>
       </p:ext>
     </p:extLst>
   </p:cSld>
@@ -16484,6 +16587,125 @@
           <a:chExt cx="0" cy="0"/>
         </a:xfrm>
       </p:grpSpPr>
+      <p:pic>
+        <p:nvPicPr>
+          <p:cNvPr id="4" name="Picture 3"/>
+          <p:cNvPicPr>
+            <a:picLocks noChangeAspect="1"/>
+          </p:cNvPicPr>
+          <p:nvPr/>
+        </p:nvPicPr>
+        <p:blipFill>
+          <a:blip r:embed="rId3"/>
+          <a:stretch>
+            <a:fillRect/>
+          </a:stretch>
+        </p:blipFill>
+        <p:spPr>
+          <a:xfrm>
+            <a:off x="0" y="0"/>
+            <a:ext cx="10604938" cy="6859501"/>
+          </a:xfrm>
+          <a:prstGeom prst="rect">
+            <a:avLst/>
+          </a:prstGeom>
+        </p:spPr>
+      </p:pic>
+      <p:sp>
+        <p:nvSpPr>
+          <p:cNvPr id="9" name="Title 1"/>
+          <p:cNvSpPr>
+            <a:spLocks noGrp="1"/>
+          </p:cNvSpPr>
+          <p:nvPr>
+            <p:ph type="title"/>
+          </p:nvPr>
+        </p:nvSpPr>
+        <p:spPr>
+          <a:xfrm rot="16200000">
+            <a:off x="7965374" y="3152001"/>
+            <a:ext cx="6858000" cy="553998"/>
+          </a:xfrm>
+        </p:spPr>
+        <p:txBody>
+          <a:bodyPr>
+            <a:normAutofit fontScale="90000"/>
+          </a:bodyPr>
+          <a:lstStyle/>
+          <a:p>
+            <a:pPr algn="ctr"/>
+            <a:r>
+              <a:rPr lang="en-US" sz="4000" dirty="0" smtClean="0">
+                <a:latin typeface="Segoe UI Light" panose="020B0502040204020203" pitchFamily="34" charset="0"/>
+                <a:cs typeface="Segoe UI Light" panose="020B0502040204020203" pitchFamily="34" charset="0"/>
+              </a:rPr>
+              <a:t>http://</a:t>
+            </a:r>
+            <a:r>
+              <a:rPr lang="en-US" sz="4000" dirty="0" err="1" smtClean="0">
+                <a:latin typeface="Segoe UI Light" panose="020B0502040204020203" pitchFamily="34" charset="0"/>
+                <a:cs typeface="Segoe UI Light" panose="020B0502040204020203" pitchFamily="34" charset="0"/>
+              </a:rPr>
+              <a:t>aka.ms</a:t>
+            </a:r>
+            <a:r>
+              <a:rPr lang="en-US" sz="4000" dirty="0" smtClean="0">
+                <a:latin typeface="Segoe UI Light" panose="020B0502040204020203" pitchFamily="34" charset="0"/>
+                <a:cs typeface="Segoe UI Light" panose="020B0502040204020203" pitchFamily="34" charset="0"/>
+              </a:rPr>
+              <a:t>/</a:t>
+            </a:r>
+            <a:r>
+              <a:rPr lang="en-US" sz="4000" dirty="0" err="1" smtClean="0">
+                <a:latin typeface="Segoe UI Light" panose="020B0502040204020203" pitchFamily="34" charset="0"/>
+                <a:cs typeface="Segoe UI Light" panose="020B0502040204020203" pitchFamily="34" charset="0"/>
+              </a:rPr>
+              <a:t>MLCheatSheet</a:t>
+            </a:r>
+            <a:endParaRPr lang="en-US" sz="4000" dirty="0">
+              <a:latin typeface="Segoe UI Light" panose="020B0502040204020203" pitchFamily="34" charset="0"/>
+              <a:cs typeface="Segoe UI Light" panose="020B0502040204020203" pitchFamily="34" charset="0"/>
+            </a:endParaRPr>
+          </a:p>
+        </p:txBody>
+      </p:sp>
+    </p:spTree>
+    <p:extLst>
+      <p:ext uri="{BB962C8B-B14F-4D97-AF65-F5344CB8AC3E}">
+        <p14:creationId xmlns:p14="http://schemas.microsoft.com/office/powerpoint/2010/main" val="2984661938"/>
+      </p:ext>
+    </p:extLst>
+  </p:cSld>
+  <p:clrMapOvr>
+    <a:masterClrMapping/>
+  </p:clrMapOvr>
+  <p:timing>
+    <p:tnLst>
+      <p:par>
+        <p:cTn id="1" dur="indefinite" restart="never" nodeType="tmRoot"/>
+      </p:par>
+    </p:tnLst>
+  </p:timing>
+</p:sld>
+</file>
+
+<file path=ppt/slides/slide11.xml><?xml version="1.0" encoding="utf-8"?>
+<p:sld xmlns:a="http://schemas.openxmlformats.org/drawingml/2006/main" xmlns:r="http://schemas.openxmlformats.org/officeDocument/2006/relationships" xmlns:p="http://schemas.openxmlformats.org/presentationml/2006/main">
+  <p:cSld>
+    <p:spTree>
+      <p:nvGrpSpPr>
+        <p:cNvPr id="1" name=""/>
+        <p:cNvGrpSpPr/>
+        <p:nvPr/>
+      </p:nvGrpSpPr>
+      <p:grpSpPr>
+        <a:xfrm>
+          <a:off x="0" y="0"/>
+          <a:ext cx="0" cy="0"/>
+          <a:chOff x="0" y="0"/>
+          <a:chExt cx="0" cy="0"/>
+        </a:xfrm>
+      </p:grpSpPr>
       <p:sp>
         <p:nvSpPr>
           <p:cNvPr id="2" name="Title 1"/>
@@ -16574,7 +16796,7 @@
 </p:sld>
 </file>
 
-<file path=ppt/slides/slide11.xml><?xml version="1.0" encoding="utf-8"?>
+<file path=ppt/slides/slide12.xml><?xml version="1.0" encoding="utf-8"?>
 <p:sld xmlns:a="http://schemas.openxmlformats.org/drawingml/2006/main" xmlns:r="http://schemas.openxmlformats.org/officeDocument/2006/relationships" xmlns:p="http://schemas.openxmlformats.org/presentationml/2006/main">
   <p:cSld>
     <p:bg>
@@ -16827,7 +17049,7 @@
 </p:sld>
 </file>
 
-<file path=ppt/slides/slide12.xml><?xml version="1.0" encoding="utf-8"?>
+<file path=ppt/slides/slide13.xml><?xml version="1.0" encoding="utf-8"?>
 <p:sld xmlns:a="http://schemas.openxmlformats.org/drawingml/2006/main" xmlns:r="http://schemas.openxmlformats.org/officeDocument/2006/relationships" xmlns:p="http://schemas.openxmlformats.org/presentationml/2006/main">
   <p:cSld>
     <p:spTree>
@@ -16903,7 +17125,7 @@
 </p:sld>
 </file>
 
-<file path=ppt/slides/slide13.xml><?xml version="1.0" encoding="utf-8"?>
+<file path=ppt/slides/slide14.xml><?xml version="1.0" encoding="utf-8"?>
 <p:sld xmlns:a="http://schemas.openxmlformats.org/drawingml/2006/main" xmlns:r="http://schemas.openxmlformats.org/officeDocument/2006/relationships" xmlns:p="http://schemas.openxmlformats.org/presentationml/2006/main">
   <p:cSld>
     <p:spTree>
@@ -17086,7 +17308,6 @@
               <a:rPr lang="en-US" dirty="0" smtClean="0"/>
               <a:t>Supervised learning</a:t>
             </a:r>
-            <a:endParaRPr lang="en-US" dirty="0" smtClean="0"/>
           </a:p>
           <a:p>
             <a:pPr lvl="1"/>
@@ -17094,7 +17315,6 @@
               <a:rPr lang="en-US" dirty="0" smtClean="0"/>
               <a:t>Regression and classification</a:t>
             </a:r>
-            <a:endParaRPr lang="en-US" dirty="0" smtClean="0"/>
           </a:p>
           <a:p>
             <a:r>
@@ -18430,6 +18650,29 @@
           <a:chExt cx="0" cy="0"/>
         </a:xfrm>
       </p:grpSpPr>
+      <p:sp>
+        <p:nvSpPr>
+          <p:cNvPr id="2" name="Title 1"/>
+          <p:cNvSpPr>
+            <a:spLocks noGrp="1"/>
+          </p:cNvSpPr>
+          <p:nvPr>
+            <p:ph type="title"/>
+          </p:nvPr>
+        </p:nvSpPr>
+        <p:spPr/>
+        <p:txBody>
+          <a:bodyPr/>
+          <a:lstStyle/>
+          <a:p>
+            <a:r>
+              <a:rPr lang="en-US" dirty="0" smtClean="0"/>
+              <a:t>Simple (Univariate) Linear Regression</a:t>
+            </a:r>
+            <a:endParaRPr lang="en-US" dirty="0"/>
+          </a:p>
+        </p:txBody>
+      </p:sp>
       <p:pic>
         <p:nvPicPr>
           <p:cNvPr id="4" name="Picture 3"/>
@@ -18446,8 +18689,8 @@
         </p:blipFill>
         <p:spPr>
           <a:xfrm>
-            <a:off x="0" y="0"/>
-            <a:ext cx="10604938" cy="6859501"/>
+            <a:off x="2861210" y="2110710"/>
+            <a:ext cx="6056623" cy="3768982"/>
           </a:xfrm>
           <a:prstGeom prst="rect">
             <a:avLst/>
@@ -18456,79 +18699,162 @@
       </p:pic>
       <p:sp>
         <p:nvSpPr>
-          <p:cNvPr id="9" name="Title 1"/>
-          <p:cNvSpPr>
-            <a:spLocks noGrp="1"/>
-          </p:cNvSpPr>
-          <p:nvPr>
-            <p:ph type="title"/>
-          </p:nvPr>
+          <p:cNvPr id="5" name="TextBox 4"/>
+          <p:cNvSpPr txBox="1"/>
+          <p:nvPr/>
         </p:nvSpPr>
         <p:spPr>
-          <a:xfrm rot="16200000">
-            <a:off x="7965374" y="3152001"/>
-            <a:ext cx="6858000" cy="553998"/>
+          <a:xfrm>
+            <a:off x="560440" y="2015613"/>
+            <a:ext cx="2163096" cy="1754326"/>
           </a:xfrm>
+          <a:prstGeom prst="rect">
+            <a:avLst/>
+          </a:prstGeom>
+          <a:noFill/>
         </p:spPr>
         <p:txBody>
-          <a:bodyPr>
-            <a:normAutofit fontScale="90000"/>
+          <a:bodyPr wrap="square" rtlCol="0">
+            <a:spAutoFit/>
           </a:bodyPr>
           <a:lstStyle/>
           <a:p>
-            <a:pPr algn="ctr"/>
-            <a:r>
-              <a:rPr lang="en-US" sz="4000" dirty="0" smtClean="0">
-                <a:latin typeface="Segoe UI Light" panose="020B0502040204020203" pitchFamily="34" charset="0"/>
-                <a:cs typeface="Segoe UI Light" panose="020B0502040204020203" pitchFamily="34" charset="0"/>
-              </a:rPr>
-              <a:t>http://</a:t>
-            </a:r>
-            <a:r>
-              <a:rPr lang="en-US" sz="4000" dirty="0" err="1" smtClean="0">
-                <a:latin typeface="Segoe UI Light" panose="020B0502040204020203" pitchFamily="34" charset="0"/>
-                <a:cs typeface="Segoe UI Light" panose="020B0502040204020203" pitchFamily="34" charset="0"/>
-              </a:rPr>
-              <a:t>aka.ms</a:t>
-            </a:r>
-            <a:r>
-              <a:rPr lang="en-US" sz="4000" dirty="0" smtClean="0">
-                <a:latin typeface="Segoe UI Light" panose="020B0502040204020203" pitchFamily="34" charset="0"/>
-                <a:cs typeface="Segoe UI Light" panose="020B0502040204020203" pitchFamily="34" charset="0"/>
-              </a:rPr>
-              <a:t>/</a:t>
-            </a:r>
-            <a:r>
-              <a:rPr lang="en-US" sz="4000" dirty="0" err="1" smtClean="0">
-                <a:latin typeface="Segoe UI Light" panose="020B0502040204020203" pitchFamily="34" charset="0"/>
-                <a:cs typeface="Segoe UI Light" panose="020B0502040204020203" pitchFamily="34" charset="0"/>
-              </a:rPr>
-              <a:t>MLCheatSheet</a:t>
-            </a:r>
-            <a:endParaRPr lang="en-US" sz="4000" dirty="0">
-              <a:latin typeface="Segoe UI Light" panose="020B0502040204020203" pitchFamily="34" charset="0"/>
-              <a:cs typeface="Segoe UI Light" panose="020B0502040204020203" pitchFamily="34" charset="0"/>
-            </a:endParaRPr>
+            <a:r>
+              <a:rPr lang="en-US" dirty="0" smtClean="0"/>
+              <a:t>Regression line represented by an equation of the form Y = b</a:t>
+            </a:r>
+            <a:r>
+              <a:rPr lang="en-US" baseline="-25000" dirty="0" smtClean="0"/>
+              <a:t>0</a:t>
+            </a:r>
+            <a:r>
+              <a:rPr lang="en-US" dirty="0" smtClean="0"/>
+              <a:t> + b</a:t>
+            </a:r>
+            <a:r>
+              <a:rPr lang="en-US" baseline="-25000" dirty="0" smtClean="0"/>
+              <a:t>1</a:t>
+            </a:r>
+            <a:r>
+              <a:rPr lang="en-US" dirty="0" smtClean="0"/>
+              <a:t>X where Y is the dependent variable</a:t>
+            </a:r>
+            <a:endParaRPr lang="en-US" dirty="0"/>
           </a:p>
         </p:txBody>
       </p:sp>
+      <p:cxnSp>
+        <p:nvCxnSpPr>
+          <p:cNvPr id="7" name="Straight Arrow Connector 6"/>
+          <p:cNvCxnSpPr/>
+          <p:nvPr/>
+        </p:nvCxnSpPr>
+        <p:spPr>
+          <a:xfrm>
+            <a:off x="2723536" y="3677265"/>
+            <a:ext cx="934064" cy="924232"/>
+          </a:xfrm>
+          <a:prstGeom prst="straightConnector1">
+            <a:avLst/>
+          </a:prstGeom>
+          <a:ln w="76200">
+            <a:solidFill>
+              <a:srgbClr val="235888"/>
+            </a:solidFill>
+            <a:tailEnd type="triangle"/>
+          </a:ln>
+        </p:spPr>
+        <p:style>
+          <a:lnRef idx="1">
+            <a:schemeClr val="accent1"/>
+          </a:lnRef>
+          <a:fillRef idx="0">
+            <a:schemeClr val="accent1"/>
+          </a:fillRef>
+          <a:effectRef idx="0">
+            <a:schemeClr val="accent1"/>
+          </a:effectRef>
+          <a:fontRef idx="minor">
+            <a:schemeClr val="tx1"/>
+          </a:fontRef>
+        </p:style>
+      </p:cxnSp>
+      <p:sp>
+        <p:nvSpPr>
+          <p:cNvPr id="8" name="TextBox 7"/>
+          <p:cNvSpPr txBox="1"/>
+          <p:nvPr/>
+        </p:nvSpPr>
+        <p:spPr>
+          <a:xfrm>
+            <a:off x="9724105" y="3585834"/>
+            <a:ext cx="2182760" cy="2031325"/>
+          </a:xfrm>
+          <a:prstGeom prst="rect">
+            <a:avLst/>
+          </a:prstGeom>
+          <a:noFill/>
+        </p:spPr>
+        <p:txBody>
+          <a:bodyPr wrap="square" rtlCol="0">
+            <a:spAutoFit/>
+          </a:bodyPr>
+          <a:lstStyle/>
+          <a:p>
+            <a:r>
+              <a:rPr lang="en-US" dirty="0" smtClean="0"/>
+              <a:t>Error between actual and computed output minimized using least-squares or gradient-descent method</a:t>
+            </a:r>
+            <a:endParaRPr lang="en-US" dirty="0"/>
+          </a:p>
+        </p:txBody>
+      </p:sp>
+      <p:cxnSp>
+        <p:nvCxnSpPr>
+          <p:cNvPr id="9" name="Straight Arrow Connector 8"/>
+          <p:cNvCxnSpPr/>
+          <p:nvPr/>
+        </p:nvCxnSpPr>
+        <p:spPr>
+          <a:xfrm flipH="1" flipV="1">
+            <a:off x="8101781" y="3677265"/>
+            <a:ext cx="1622325" cy="103124"/>
+          </a:xfrm>
+          <a:prstGeom prst="straightConnector1">
+            <a:avLst/>
+          </a:prstGeom>
+          <a:ln w="76200">
+            <a:solidFill>
+              <a:srgbClr val="235888"/>
+            </a:solidFill>
+            <a:tailEnd type="triangle"/>
+          </a:ln>
+        </p:spPr>
+        <p:style>
+          <a:lnRef idx="1">
+            <a:schemeClr val="accent1"/>
+          </a:lnRef>
+          <a:fillRef idx="0">
+            <a:schemeClr val="accent1"/>
+          </a:fillRef>
+          <a:effectRef idx="0">
+            <a:schemeClr val="accent1"/>
+          </a:effectRef>
+          <a:fontRef idx="minor">
+            <a:schemeClr val="tx1"/>
+          </a:fontRef>
+        </p:style>
+      </p:cxnSp>
     </p:spTree>
     <p:extLst>
       <p:ext uri="{BB962C8B-B14F-4D97-AF65-F5344CB8AC3E}">
-        <p14:creationId xmlns:p14="http://schemas.microsoft.com/office/powerpoint/2010/main" val="2984661938"/>
+        <p14:creationId xmlns:p14="http://schemas.microsoft.com/office/powerpoint/2010/main" val="3149181271"/>
       </p:ext>
     </p:extLst>
   </p:cSld>
   <p:clrMapOvr>
     <a:masterClrMapping/>
   </p:clrMapOvr>
-  <p:timing>
-    <p:tnLst>
-      <p:par>
-        <p:cTn id="1" dur="indefinite" restart="never" nodeType="tmRoot"/>
-      </p:par>
-    </p:tnLst>
-  </p:timing>
 </p:sld>
 </file>
 

--- a/Workshop/Content/4. Machine Learning/Azure Machine Learning.pptx
+++ b/Workshop/Content/4. Machine Learning/Azure Machine Learning.pptx
@@ -211,7 +211,7 @@
           <a:p>
             <a:fld id="{49B60EF2-7028-489F-85D8-FE86CD7CF2A0}" type="datetimeFigureOut">
               <a:rPr lang="en-US" smtClean="0"/>
-              <a:t>6/21/2016</a:t>
+              <a:t>6/22/2016</a:t>
             </a:fld>
             <a:endParaRPr lang="en-US"/>
           </a:p>
@@ -723,6 +723,106 @@
           <a:bodyPr/>
           <a:lstStyle/>
           <a:p>
+            <a:r>
+              <a:rPr lang="en-US" dirty="0" smtClean="0"/>
+              <a:t>Once deployed as a Web service, a model can be used</a:t>
+            </a:r>
+            <a:r>
+              <a:rPr lang="en-US" baseline="0" dirty="0" smtClean="0"/>
+              <a:t> with simple REST calls over HTTP. This enables developers to build "smart apps" that get their intelligence from ML. In the next lab, students will build and train an ML model, deploy it as a Web service, and then write a client app that uses it.</a:t>
+            </a:r>
+            <a:endParaRPr lang="en-US" dirty="0"/>
+          </a:p>
+        </p:txBody>
+      </p:sp>
+      <p:sp>
+        <p:nvSpPr>
+          <p:cNvPr id="4" name="Slide Number Placeholder 3"/>
+          <p:cNvSpPr>
+            <a:spLocks noGrp="1"/>
+          </p:cNvSpPr>
+          <p:nvPr>
+            <p:ph type="sldNum" sz="quarter" idx="10"/>
+          </p:nvPr>
+        </p:nvSpPr>
+        <p:spPr/>
+        <p:txBody>
+          <a:bodyPr/>
+          <a:lstStyle/>
+          <a:p>
+            <a:fld id="{01283FAC-A721-45A3-BBDE-EAF2B09B7CD9}" type="slidenum">
+              <a:rPr lang="en-US" smtClean="0"/>
+              <a:t>11</a:t>
+            </a:fld>
+            <a:endParaRPr lang="en-US"/>
+          </a:p>
+        </p:txBody>
+      </p:sp>
+    </p:spTree>
+    <p:extLst>
+      <p:ext uri="{BB962C8B-B14F-4D97-AF65-F5344CB8AC3E}">
+        <p14:creationId xmlns:p14="http://schemas.microsoft.com/office/powerpoint/2010/main" val="1999800174"/>
+      </p:ext>
+    </p:extLst>
+  </p:cSld>
+  <p:clrMapOvr>
+    <a:masterClrMapping/>
+  </p:clrMapOvr>
+</p:notes>
+</file>
+
+<file path=ppt/notesSlides/notesSlide12.xml><?xml version="1.0" encoding="utf-8"?>
+<p:notes xmlns:a="http://schemas.openxmlformats.org/drawingml/2006/main" xmlns:r="http://schemas.openxmlformats.org/officeDocument/2006/relationships" xmlns:p="http://schemas.openxmlformats.org/presentationml/2006/main">
+  <p:cSld>
+    <p:spTree>
+      <p:nvGrpSpPr>
+        <p:cNvPr id="1" name=""/>
+        <p:cNvGrpSpPr/>
+        <p:nvPr/>
+      </p:nvGrpSpPr>
+      <p:grpSpPr>
+        <a:xfrm>
+          <a:off x="0" y="0"/>
+          <a:ext cx="0" cy="0"/>
+          <a:chOff x="0" y="0"/>
+          <a:chExt cx="0" cy="0"/>
+        </a:xfrm>
+      </p:grpSpPr>
+      <p:sp>
+        <p:nvSpPr>
+          <p:cNvPr id="2" name="Slide Image Placeholder 1"/>
+          <p:cNvSpPr>
+            <a:spLocks noGrp="1" noRot="1" noChangeAspect="1"/>
+          </p:cNvSpPr>
+          <p:nvPr>
+            <p:ph type="sldImg"/>
+          </p:nvPr>
+        </p:nvSpPr>
+        <p:spPr/>
+      </p:sp>
+      <p:sp>
+        <p:nvSpPr>
+          <p:cNvPr id="3" name="Notes Placeholder 2"/>
+          <p:cNvSpPr>
+            <a:spLocks noGrp="1"/>
+          </p:cNvSpPr>
+          <p:nvPr>
+            <p:ph type="body" idx="1"/>
+          </p:nvPr>
+        </p:nvSpPr>
+        <p:spPr/>
+        <p:txBody>
+          <a:bodyPr/>
+          <a:lstStyle/>
+          <a:p>
+            <a:r>
+              <a:rPr lang="en-US" dirty="0" smtClean="0"/>
+              <a:t>Good book -- and free!</a:t>
+            </a:r>
+            <a:r>
+              <a:rPr lang="en-US" baseline="0" dirty="0" smtClean="0"/>
+              <a:t> Another recommended book on Azure Machine is Learning is "Predictive Analytics with Microsoft Azure Machine Learning " (https://www.amazon.com/Predictive-Analytics-Microsoft-Machine-Learning/dp/1484212010).</a:t>
+            </a:r>
             <a:endParaRPr lang="en-US" dirty="0"/>
           </a:p>
         </p:txBody>
@@ -1397,7 +1497,15 @@
             </a:r>
             <a:r>
               <a:rPr lang="en-US" baseline="0" dirty="0" smtClean="0"/>
-              <a:t> it is used, and ML Studio includes modules to help with the cleaning. Once the data is ready, you select an algorithm and "train" the model by allowing it to iterate over the data and find patterns in it. After that comes scoring and evaluating the model, which tells you how well the model is able to predict outcomes. All of this is performed visually in ML Studio. Once the model is ready, a few button clicks deploy it as a Web service so it can be called from client apps.</a:t>
+              <a:t> it is used, and ML Studio includes modules to help with the cleaning. </a:t>
+            </a:r>
+            <a:r>
+              <a:rPr lang="en-US" baseline="0" dirty="0" smtClean="0"/>
+              <a:t>(Examples of cleaning include removing rows with missing data, replacing missing data algorithmically, removing duplicate rows, and removing rows containing "outliers." In practice, cleaning the data can be very time-intensive and often consumes 50% of the time required to build the model.) Once </a:t>
+            </a:r>
+            <a:r>
+              <a:rPr lang="en-US" baseline="0" dirty="0" smtClean="0"/>
+              <a:t>the data is ready, you select an algorithm and "train" the model by allowing it to iterate over the data and find patterns in it. After that comes scoring and evaluating the model, which tells you how well the model is able to predict outcomes. All of this is performed visually in ML Studio. Once the model is ready, a few button clicks deploy it as a Web service so it can be called from client apps.</a:t>
             </a:r>
             <a:endParaRPr lang="en-US" dirty="0"/>
           </a:p>
@@ -1630,8 +1738,29 @@
                 <a:ea typeface="+mn-ea"/>
                 <a:cs typeface="+mn-cs"/>
               </a:rPr>
-              <a:t>Clustering seeks to group a set of objects in such a way that objects in the same group (called a cluster) are more similar to each other than to those in other groups (clusters). </a:t>
-            </a:r>
+              <a:t>Clustering seeks to group a set of objects in such a way that objects in the same group (called a cluster) are more similar to each other than to those in other groups (clusters</a:t>
+            </a:r>
+            <a:r>
+              <a:rPr lang="en-US" sz="1200" kern="1200" dirty="0" smtClean="0">
+                <a:solidFill>
+                  <a:schemeClr val="tx1"/>
+                </a:solidFill>
+                <a:effectLst/>
+                <a:latin typeface="+mn-lt"/>
+                <a:ea typeface="+mn-ea"/>
+                <a:cs typeface="+mn-cs"/>
+              </a:rPr>
+              <a:t>).</a:t>
+            </a:r>
+            <a:endParaRPr lang="en-US" sz="1200" kern="1200" dirty="0" smtClean="0">
+              <a:solidFill>
+                <a:schemeClr val="tx1"/>
+              </a:solidFill>
+              <a:effectLst/>
+              <a:latin typeface="+mn-lt"/>
+              <a:ea typeface="+mn-ea"/>
+              <a:cs typeface="+mn-cs"/>
+            </a:endParaRPr>
           </a:p>
           <a:p>
             <a:endParaRPr lang="en-US" dirty="0" smtClean="0"/>
@@ -1724,7 +1853,24 @@
             </a:r>
             <a:r>
               <a:rPr lang="en-US" baseline="0" dirty="0" smtClean="0"/>
-              <a:t> techniques are used to best-fit a line (hence, LINEAR regression) to the data. Training a linear regression model with millions of values can take time, but once the model is trained, using it to perform predictive analysis is fast because "running" the model involves little more than solving an equation whose coefficients have already been computed (during training).</a:t>
+              <a:t> techniques are used to best-fit a line (hence, LINEAR regression) to the </a:t>
+            </a:r>
+            <a:r>
+              <a:rPr lang="en-US" baseline="0" dirty="0" smtClean="0"/>
+              <a:t>data. Multivariate linear regression is similar, but adds additional terms to the equation (b2, b3, and so on).</a:t>
+            </a:r>
+          </a:p>
+          <a:p>
+            <a:endParaRPr lang="en-US" baseline="0" dirty="0" smtClean="0"/>
+          </a:p>
+          <a:p>
+            <a:r>
+              <a:rPr lang="en-US" baseline="0" dirty="0" smtClean="0"/>
+              <a:t>Training </a:t>
+            </a:r>
+            <a:r>
+              <a:rPr lang="en-US" baseline="0" dirty="0" smtClean="0"/>
+              <a:t>a linear regression model with millions of values can take time, but once the model is trained, using it to perform predictive analysis is fast because "running" the model involves little more than solving an equation whose coefficients have already been computed (during training).</a:t>
             </a:r>
             <a:br>
               <a:rPr lang="en-US" baseline="0" dirty="0" smtClean="0"/>
@@ -1927,7 +2073,7 @@
           <a:p>
             <a:fld id="{0459C166-16D3-4A25-A2F8-C51E0E346B22}" type="datetimeFigureOut">
               <a:rPr lang="en-US" smtClean="0"/>
-              <a:t>6/21/2016</a:t>
+              <a:t>6/22/2016</a:t>
             </a:fld>
             <a:endParaRPr lang="en-US"/>
           </a:p>
@@ -2022,7 +2168,7 @@
           <a:p>
             <a:fld id="{0459C166-16D3-4A25-A2F8-C51E0E346B22}" type="datetimeFigureOut">
               <a:rPr lang="en-US" smtClean="0"/>
-              <a:t>6/21/2016</a:t>
+              <a:t>6/22/2016</a:t>
             </a:fld>
             <a:endParaRPr lang="en-US"/>
           </a:p>
@@ -2297,7 +2443,7 @@
           <a:p>
             <a:fld id="{0459C166-16D3-4A25-A2F8-C51E0E346B22}" type="datetimeFigureOut">
               <a:rPr lang="en-US" smtClean="0"/>
-              <a:t>6/21/2016</a:t>
+              <a:t>6/22/2016</a:t>
             </a:fld>
             <a:endParaRPr lang="en-US"/>
           </a:p>
@@ -2549,7 +2695,7 @@
           <a:p>
             <a:fld id="{0459C166-16D3-4A25-A2F8-C51E0E346B22}" type="datetimeFigureOut">
               <a:rPr lang="en-US" smtClean="0"/>
-              <a:t>6/21/2016</a:t>
+              <a:t>6/22/2016</a:t>
             </a:fld>
             <a:endParaRPr lang="en-US"/>
           </a:p>
@@ -2717,7 +2863,7 @@
           <a:p>
             <a:fld id="{0459C166-16D3-4A25-A2F8-C51E0E346B22}" type="datetimeFigureOut">
               <a:rPr lang="en-US" smtClean="0"/>
-              <a:t>6/21/2016</a:t>
+              <a:t>6/22/2016</a:t>
             </a:fld>
             <a:endParaRPr lang="en-US"/>
           </a:p>
@@ -2895,7 +3041,7 @@
           <a:p>
             <a:fld id="{0459C166-16D3-4A25-A2F8-C51E0E346B22}" type="datetimeFigureOut">
               <a:rPr lang="en-US" smtClean="0"/>
-              <a:t>6/21/2016</a:t>
+              <a:t>6/22/2016</a:t>
             </a:fld>
             <a:endParaRPr lang="en-US"/>
           </a:p>
@@ -4822,7 +4968,7 @@
           <a:p>
             <a:fld id="{0459C166-16D3-4A25-A2F8-C51E0E346B22}" type="datetimeFigureOut">
               <a:rPr lang="en-US" smtClean="0"/>
-              <a:t>6/21/2016</a:t>
+              <a:t>6/22/2016</a:t>
             </a:fld>
             <a:endParaRPr lang="en-US"/>
           </a:p>
@@ -10449,7 +10595,7 @@
             <a:fld id="{0459C166-16D3-4A25-A2F8-C51E0E346B22}" type="datetimeFigureOut">
               <a:rPr lang="en-US" smtClean="0"/>
               <a:pPr/>
-              <a:t>6/21/2016</a:t>
+              <a:t>6/22/2016</a:t>
             </a:fld>
             <a:endParaRPr lang="en-US"/>
           </a:p>
@@ -14511,7 +14657,7 @@
           <a:p>
             <a:fld id="{0459C166-16D3-4A25-A2F8-C51E0E346B22}" type="datetimeFigureOut">
               <a:rPr lang="en-US" smtClean="0"/>
-              <a:t>6/21/2016</a:t>
+              <a:t>6/22/2016</a:t>
             </a:fld>
             <a:endParaRPr lang="en-US"/>
           </a:p>
@@ -14875,7 +15021,7 @@
           <a:p>
             <a:fld id="{0459C166-16D3-4A25-A2F8-C51E0E346B22}" type="datetimeFigureOut">
               <a:rPr lang="en-US" smtClean="0"/>
-              <a:t>6/21/2016</a:t>
+              <a:t>6/22/2016</a:t>
             </a:fld>
             <a:endParaRPr lang="en-US"/>
           </a:p>
@@ -14992,7 +15138,7 @@
           <a:p>
             <a:fld id="{0459C166-16D3-4A25-A2F8-C51E0E346B22}" type="datetimeFigureOut">
               <a:rPr lang="en-US" smtClean="0"/>
-              <a:t>6/21/2016</a:t>
+              <a:t>6/22/2016</a:t>
             </a:fld>
             <a:endParaRPr lang="en-US"/>
           </a:p>
@@ -15203,7 +15349,7 @@
           <a:p>
             <a:fld id="{0459C166-16D3-4A25-A2F8-C51E0E346B22}" type="datetimeFigureOut">
               <a:rPr lang="en-US" smtClean="0"/>
-              <a:t>6/21/2016</a:t>
+              <a:t>6/22/2016</a:t>
             </a:fld>
             <a:endParaRPr lang="en-US"/>
           </a:p>
@@ -16761,7 +16907,7 @@
           <p:nvPr/>
         </p:nvPicPr>
         <p:blipFill>
-          <a:blip r:embed="rId2"/>
+          <a:blip r:embed="rId3"/>
           <a:stretch>
             <a:fillRect/>
           </a:stretch>
